--- a/docs/BenoitLoze_CapstoneThree_FakeNewsDetection_ProjectProposal.pptx
+++ b/docs/BenoitLoze_CapstoneThree_FakeNewsDetection_ProjectProposal.pptx
@@ -257,7 +257,7 @@
       </p15:sldGuideLst>
     </p:ext>
     <p:ext uri="http://customooxmlschemas.google.com/">
-      <go:slidesCustomData xmlns="" xmlns:mc="http://schemas.openxmlformats.org/markup-compatibility/2006" xmlns:mv="urn:schemas-microsoft-com:mac:vml" xmlns:c="http://schemas.openxmlformats.org/drawingml/2006/chart" xmlns:dgm="http://schemas.openxmlformats.org/drawingml/2006/diagram" xmlns:o="urn:schemas-microsoft-com:office:office" xmlns:v="urn:schemas-microsoft-com:vml" xmlns:pvml="urn:schemas-microsoft-com:office:powerpoint" xmlns:com="http://schemas.openxmlformats.org/drawingml/2006/compatibility" xmlns:p14="http://schemas.microsoft.com/office/powerpoint/2010/main" xmlns:p15="http://schemas.microsoft.com/office/powerpoint/2012/main" xmlns:go="http://customooxmlschemas.google.com/" r:id="rId7" roundtripDataSignature="AMtx7mjdo7FECp685JsX7/4pIVeoAktjNA=="/>
+      <go:slidesCustomData xmlns:go="http://customooxmlschemas.google.com/" xmlns:p15="http://schemas.microsoft.com/office/powerpoint/2012/main" xmlns:p14="http://schemas.microsoft.com/office/powerpoint/2010/main" xmlns:com="http://schemas.openxmlformats.org/drawingml/2006/compatibility" xmlns:pvml="urn:schemas-microsoft-com:office:powerpoint" xmlns:v="urn:schemas-microsoft-com:vml" xmlns:o="urn:schemas-microsoft-com:office:office" xmlns:dgm="http://schemas.openxmlformats.org/drawingml/2006/diagram" xmlns:c="http://schemas.openxmlformats.org/drawingml/2006/chart" xmlns:mv="urn:schemas-microsoft-com:mac:vml" xmlns:mc="http://schemas.openxmlformats.org/markup-compatibility/2006" xmlns="" r:id="rId7" roundtripDataSignature="AMtx7mjdo7FECp685JsX7/4pIVeoAktjNA=="/>
     </p:ext>
   </p:extLst>
 </p:presentation>
@@ -4776,33 +4776,21 @@
             </a:r>
           </a:p>
           <a:p>
-            <a:pPr marL="0" marR="0" lvl="0" indent="0" algn="l" rtl="0">
-              <a:lnSpc>
-                <a:spcPct val="100000"/>
-              </a:lnSpc>
-              <a:spcBef>
-                <a:spcPts val="0"/>
-              </a:spcBef>
-              <a:spcAft>
-                <a:spcPts val="0"/>
-              </a:spcAft>
-              <a:buNone/>
-            </a:pPr>
-            <a:endParaRPr lang="en-US" sz="1071" b="1" i="0" u="none" strike="noStrike" cap="none" dirty="0">
-              <a:solidFill>
-                <a:srgbClr val="000000"/>
-              </a:solidFill>
-              <a:latin typeface="Arial"/>
-              <a:ea typeface="Arial"/>
-              <a:cs typeface="Arial"/>
-              <a:sym typeface="Arial"/>
-            </a:endParaRPr>
+            <a:pPr lvl="0"/>
+            <a:r>
+              <a:rPr lang="en-US" sz="1071" b="1" dirty="0"/>
+              <a:t>A model that classifies fake vs real with ≥85% F1-score on test data.</a:t>
+            </a:r>
           </a:p>
           <a:p>
             <a:pPr lvl="0"/>
             <a:r>
+              <a:rPr lang="en-US" sz="1071" b="1"/>
+              <a:t>Within </a:t>
+            </a:r>
+            <a:r>
               <a:rPr lang="en-US" sz="1071" b="1" dirty="0"/>
-              <a:t>A model that classifies fake vs real with ≥85% F1-score on test data.</a:t>
+              <a:t>a 3-week time frame.</a:t>
             </a:r>
           </a:p>
         </p:txBody>
@@ -5576,7 +5564,7 @@
         <p:spPr>
           <a:xfrm>
             <a:off x="184140" y="540901"/>
-            <a:ext cx="8584648" cy="492443"/>
+            <a:ext cx="7447319" cy="492443"/>
           </a:xfrm>
           <a:prstGeom prst="rect">
             <a:avLst/>
@@ -5619,7 +5607,7 @@
                 <a:cs typeface="Arial"/>
                 <a:sym typeface="Arial"/>
               </a:rPr>
-              <a:t>“Can we classify news articles as fake or real based on their textual content?”</a:t>
+              <a:t>“Can we classify news articles as fake or real based on their textual content within a 3-week time frame and with 85% accuracy while respecting the “data Science Method” steps?”</a:t>
             </a:r>
             <a:endParaRPr sz="1400" b="1" i="0" u="none" strike="noStrike" cap="none" dirty="0">
               <a:solidFill>
